--- a/slides.pptx
+++ b/slides.pptx
@@ -5,26 +5,25 @@
     <p:sldMasterId id="2147483648" r:id="rId2"/>
   </p:sldMasterIdLst>
   <p:notesMasterIdLst>
-    <p:notesMasterId r:id="rId20"/>
+    <p:notesMasterId r:id="rId19"/>
   </p:notesMasterIdLst>
   <p:sldIdLst>
     <p:sldId id="256" r:id="rId3"/>
-    <p:sldId id="257" r:id="rId4"/>
-    <p:sldId id="258" r:id="rId5"/>
-    <p:sldId id="259" r:id="rId6"/>
-    <p:sldId id="262" r:id="rId7"/>
-    <p:sldId id="261" r:id="rId8"/>
-    <p:sldId id="260" r:id="rId9"/>
-    <p:sldId id="263" r:id="rId10"/>
-    <p:sldId id="264" r:id="rId11"/>
-    <p:sldId id="265" r:id="rId12"/>
-    <p:sldId id="266" r:id="rId13"/>
-    <p:sldId id="267" r:id="rId14"/>
-    <p:sldId id="268" r:id="rId15"/>
-    <p:sldId id="270" r:id="rId16"/>
-    <p:sldId id="271" r:id="rId17"/>
-    <p:sldId id="272" r:id="rId18"/>
-    <p:sldId id="273" r:id="rId19"/>
+    <p:sldId id="258" r:id="rId4"/>
+    <p:sldId id="259" r:id="rId5"/>
+    <p:sldId id="262" r:id="rId6"/>
+    <p:sldId id="261" r:id="rId7"/>
+    <p:sldId id="260" r:id="rId8"/>
+    <p:sldId id="263" r:id="rId9"/>
+    <p:sldId id="264" r:id="rId10"/>
+    <p:sldId id="265" r:id="rId11"/>
+    <p:sldId id="266" r:id="rId12"/>
+    <p:sldId id="267" r:id="rId13"/>
+    <p:sldId id="268" r:id="rId14"/>
+    <p:sldId id="270" r:id="rId15"/>
+    <p:sldId id="271" r:id="rId16"/>
+    <p:sldId id="272" r:id="rId17"/>
+    <p:sldId id="273" r:id="rId18"/>
   </p:sldIdLst>
   <p:sldSz cx="9144000" cy="6858000" type="screen4x3"/>
   <p:notesSz cx="6858000" cy="9144000"/>
@@ -1041,88 +1040,6 @@
               <a:rPr lang="en-US" smtClean="0"/>
               <a:pPr/>
               <a:t>7</a:t>
-            </a:fld>
-            <a:endParaRPr lang="en-US"/>
-          </a:p>
-        </p:txBody>
-      </p:sp>
-    </p:spTree>
-  </p:cSld>
-  <p:clrMapOvr>
-    <a:masterClrMapping/>
-  </p:clrMapOvr>
-</p:notes>
-</file>
-
-<file path=ppt/notesSlides/notesSlide8.xml><?xml version="1.0" encoding="utf-8"?>
-<p:notes xmlns:a="http://schemas.openxmlformats.org/drawingml/2006/main" xmlns:r="http://schemas.openxmlformats.org/officeDocument/2006/relationships" xmlns:p="http://schemas.openxmlformats.org/presentationml/2006/main">
-  <p:cSld>
-    <p:spTree>
-      <p:nvGrpSpPr>
-        <p:cNvPr id="1" name=""/>
-        <p:cNvGrpSpPr/>
-        <p:nvPr/>
-      </p:nvGrpSpPr>
-      <p:grpSpPr>
-        <a:xfrm>
-          <a:off x="0" y="0"/>
-          <a:ext cx="0" cy="0"/>
-          <a:chOff x="0" y="0"/>
-          <a:chExt cx="0" cy="0"/>
-        </a:xfrm>
-      </p:grpSpPr>
-      <p:sp>
-        <p:nvSpPr>
-          <p:cNvPr id="2" name="Slide Image Placeholder 1"/>
-          <p:cNvSpPr>
-            <a:spLocks noGrp="1" noRot="1" noChangeAspect="1"/>
-          </p:cNvSpPr>
-          <p:nvPr>
-            <p:ph type="sldImg"/>
-          </p:nvPr>
-        </p:nvSpPr>
-        <p:spPr/>
-      </p:sp>
-      <p:sp>
-        <p:nvSpPr>
-          <p:cNvPr id="3" name="Notes Placeholder 2"/>
-          <p:cNvSpPr>
-            <a:spLocks noGrp="1"/>
-          </p:cNvSpPr>
-          <p:nvPr>
-            <p:ph type="body" idx="1"/>
-          </p:nvPr>
-        </p:nvSpPr>
-        <p:spPr/>
-        <p:txBody>
-          <a:bodyPr>
-            <a:normAutofit/>
-          </a:bodyPr>
-          <a:lstStyle/>
-          <a:p>
-            <a:endParaRPr lang="en-US"/>
-          </a:p>
-        </p:txBody>
-      </p:sp>
-      <p:sp>
-        <p:nvSpPr>
-          <p:cNvPr id="4" name="Slide Number Placeholder 3"/>
-          <p:cNvSpPr>
-            <a:spLocks noGrp="1"/>
-          </p:cNvSpPr>
-          <p:nvPr>
-            <p:ph type="sldNum" sz="quarter" idx="10"/>
-          </p:nvPr>
-        </p:nvSpPr>
-        <p:spPr/>
-        <p:txBody>
-          <a:bodyPr/>
-          <a:lstStyle/>
-          <a:p>
-            <a:fld id="{07B8B279-4079-43B3-8013-D8D81AB870A7}" type="slidenum">
-              <a:rPr lang="en-US" smtClean="0"/>
-              <a:pPr/>
-              <a:t>8</a:t>
             </a:fld>
             <a:endParaRPr lang="en-US"/>
           </a:p>
@@ -5029,81 +4946,6 @@
 </file>
 
 <file path=ppt/slides/slide10.xml><?xml version="1.0" encoding="utf-8"?>
-<p:sld xmlns:a="http://schemas.openxmlformats.org/drawingml/2006/main" xmlns:r="http://schemas.openxmlformats.org/officeDocument/2006/relationships" xmlns:p="http://schemas.openxmlformats.org/presentationml/2006/main" showMasterSp="0">
-  <p:cSld>
-    <p:bg>
-      <p:bgPr>
-        <a:solidFill>
-          <a:schemeClr val="bg1"/>
-        </a:solidFill>
-        <a:effectLst/>
-      </p:bgPr>
-    </p:bg>
-    <p:spTree>
-      <p:nvGrpSpPr>
-        <p:cNvPr id="1" name=""/>
-        <p:cNvGrpSpPr/>
-        <p:nvPr/>
-      </p:nvGrpSpPr>
-      <p:grpSpPr>
-        <a:xfrm>
-          <a:off x="0" y="0"/>
-          <a:ext cx="0" cy="0"/>
-          <a:chOff x="0" y="0"/>
-          <a:chExt cx="0" cy="0"/>
-        </a:xfrm>
-      </p:grpSpPr>
-      <p:pic>
-        <p:nvPicPr>
-          <p:cNvPr id="4" name="Picture 3" descr="Screen Shot 2012-03-24 at 1.51.03 AM.png"/>
-          <p:cNvPicPr>
-            <a:picLocks noChangeAspect="1"/>
-          </p:cNvPicPr>
-          <p:nvPr/>
-        </p:nvPicPr>
-        <p:blipFill>
-          <a:blip r:embed="rId2">
-            <a:extLst>
-              <a:ext uri="{28A0092B-C50C-407E-A947-70E740481C1C}">
-                <a14:useLocalDpi xmlns:a14="http://schemas.microsoft.com/office/drawing/2010/main" val="0"/>
-              </a:ext>
-            </a:extLst>
-          </a:blip>
-          <a:stretch>
-            <a:fillRect/>
-          </a:stretch>
-        </p:blipFill>
-        <p:spPr>
-          <a:xfrm>
-            <a:off x="304800" y="0"/>
-            <a:ext cx="8567559" cy="6858000"/>
-          </a:xfrm>
-          <a:prstGeom prst="rect">
-            <a:avLst/>
-          </a:prstGeom>
-        </p:spPr>
-      </p:pic>
-    </p:spTree>
-    <p:extLst>
-      <p:ext uri="{BB962C8B-B14F-4D97-AF65-F5344CB8AC3E}">
-        <p14:creationId xmlns:p14="http://schemas.microsoft.com/office/powerpoint/2010/main" val="4020480387"/>
-      </p:ext>
-    </p:extLst>
-  </p:cSld>
-  <p:clrMapOvr>
-    <a:masterClrMapping/>
-  </p:clrMapOvr>
-  <p:timing>
-    <p:tnLst>
-      <p:par>
-        <p:cTn xmlns:p14="http://schemas.microsoft.com/office/powerpoint/2010/main" id="1" dur="indefinite" restart="never" nodeType="tmRoot"/>
-      </p:par>
-    </p:tnLst>
-  </p:timing>
-</p:sld>
-</file>
-
-<file path=ppt/slides/slide11.xml><?xml version="1.0" encoding="utf-8"?>
 <p:sld xmlns:a="http://schemas.openxmlformats.org/drawingml/2006/main" xmlns:r="http://schemas.openxmlformats.org/officeDocument/2006/relationships" xmlns:p="http://schemas.openxmlformats.org/presentationml/2006/main">
   <p:cSld>
     <p:spTree>
@@ -5169,7 +5011,7 @@
 </p:sld>
 </file>
 
-<file path=ppt/slides/slide12.xml><?xml version="1.0" encoding="utf-8"?>
+<file path=ppt/slides/slide11.xml><?xml version="1.0" encoding="utf-8"?>
 <p:sld xmlns:a="http://schemas.openxmlformats.org/drawingml/2006/main" xmlns:r="http://schemas.openxmlformats.org/officeDocument/2006/relationships" xmlns:p="http://schemas.openxmlformats.org/presentationml/2006/main" showMasterSp="0">
   <p:cSld>
     <p:bg>
@@ -5244,7 +5086,7 @@
 </p:sld>
 </file>
 
-<file path=ppt/slides/slide13.xml><?xml version="1.0" encoding="utf-8"?>
+<file path=ppt/slides/slide12.xml><?xml version="1.0" encoding="utf-8"?>
 <p:sld xmlns:a="http://schemas.openxmlformats.org/drawingml/2006/main" xmlns:r="http://schemas.openxmlformats.org/officeDocument/2006/relationships" xmlns:p="http://schemas.openxmlformats.org/presentationml/2006/main" showMasterSp="0">
   <p:cSld>
     <p:bg>
@@ -5319,7 +5161,7 @@
 </p:sld>
 </file>
 
-<file path=ppt/slides/slide14.xml><?xml version="1.0" encoding="utf-8"?>
+<file path=ppt/slides/slide13.xml><?xml version="1.0" encoding="utf-8"?>
 <p:sld xmlns:a="http://schemas.openxmlformats.org/drawingml/2006/main" xmlns:r="http://schemas.openxmlformats.org/officeDocument/2006/relationships" xmlns:p="http://schemas.openxmlformats.org/presentationml/2006/main" showMasterSp="0">
   <p:cSld>
     <p:bg>
@@ -5394,7 +5236,7 @@
 </p:sld>
 </file>
 
-<file path=ppt/slides/slide15.xml><?xml version="1.0" encoding="utf-8"?>
+<file path=ppt/slides/slide14.xml><?xml version="1.0" encoding="utf-8"?>
 <p:sld xmlns:a="http://schemas.openxmlformats.org/drawingml/2006/main" xmlns:r="http://schemas.openxmlformats.org/officeDocument/2006/relationships" xmlns:p="http://schemas.openxmlformats.org/presentationml/2006/main" showMasterSp="0">
   <p:cSld>
     <p:bg>
@@ -5469,7 +5311,7 @@
 </p:sld>
 </file>
 
-<file path=ppt/slides/slide16.xml><?xml version="1.0" encoding="utf-8"?>
+<file path=ppt/slides/slide15.xml><?xml version="1.0" encoding="utf-8"?>
 <p:sld xmlns:a="http://schemas.openxmlformats.org/drawingml/2006/main" xmlns:r="http://schemas.openxmlformats.org/officeDocument/2006/relationships" xmlns:p="http://schemas.openxmlformats.org/presentationml/2006/main" showMasterSp="0">
   <p:cSld>
     <p:bg>
@@ -5544,7 +5386,7 @@
 </p:sld>
 </file>
 
-<file path=ppt/slides/slide17.xml><?xml version="1.0" encoding="utf-8"?>
+<file path=ppt/slides/slide16.xml><?xml version="1.0" encoding="utf-8"?>
 <p:sld xmlns:a="http://schemas.openxmlformats.org/drawingml/2006/main" xmlns:r="http://schemas.openxmlformats.org/officeDocument/2006/relationships" xmlns:p="http://schemas.openxmlformats.org/presentationml/2006/main">
   <p:cSld>
     <p:spTree>
@@ -5586,6 +5428,277 @@
               <a:t>Questions</a:t>
             </a:r>
             <a:endParaRPr lang="en-US" dirty="0"/>
+          </a:p>
+        </p:txBody>
+      </p:sp>
+      <p:sp>
+        <p:nvSpPr>
+          <p:cNvPr id="4" name="Rectangle 2"/>
+          <p:cNvSpPr txBox="1">
+            <a:spLocks/>
+          </p:cNvSpPr>
+          <p:nvPr/>
+        </p:nvSpPr>
+        <p:spPr>
+          <a:xfrm>
+            <a:off x="685800" y="4724400"/>
+            <a:ext cx="7772400" cy="1143000"/>
+          </a:xfrm>
+          <a:prstGeom prst="rect">
+            <a:avLst/>
+          </a:prstGeom>
+        </p:spPr>
+        <p:txBody>
+          <a:bodyPr vert="horz" lIns="182880" tIns="91440">
+            <a:normAutofit fontScale="62500" lnSpcReduction="20000"/>
+          </a:bodyPr>
+          <a:lstStyle>
+            <a:lvl1pPr marL="265176" indent="-265176" algn="l" rtl="0" eaLnBrk="1" latinLnBrk="0" hangingPunct="1">
+              <a:spcBef>
+                <a:spcPts val="250"/>
+              </a:spcBef>
+              <a:buClr>
+                <a:schemeClr val="accent1"/>
+              </a:buClr>
+              <a:buSzPct val="80000"/>
+              <a:buFont typeface="Wingdings 2"/>
+              <a:buChar char=""/>
+              <a:defRPr sz="2800" kern="1200">
+                <a:solidFill>
+                  <a:srgbClr val="FFFFFF"/>
+                </a:solidFill>
+                <a:effectLst/>
+                <a:latin typeface="+mn-lt"/>
+                <a:ea typeface="+mn-ea"/>
+                <a:cs typeface="+mn-cs"/>
+              </a:defRPr>
+            </a:lvl1pPr>
+            <a:lvl2pPr marL="548640" indent="-201168" algn="l" rtl="0" eaLnBrk="1" latinLnBrk="0" hangingPunct="1">
+              <a:spcBef>
+                <a:spcPts val="250"/>
+              </a:spcBef>
+              <a:buClr>
+                <a:schemeClr val="accent1"/>
+              </a:buClr>
+              <a:buSzPct val="100000"/>
+              <a:buFont typeface="Verdana"/>
+              <a:buChar char="◦"/>
+              <a:defRPr sz="2400" kern="1200">
+                <a:solidFill>
+                  <a:srgbClr val="FFFFFF"/>
+                </a:solidFill>
+                <a:latin typeface="+mn-lt"/>
+                <a:ea typeface="+mn-ea"/>
+                <a:cs typeface="+mn-cs"/>
+              </a:defRPr>
+            </a:lvl2pPr>
+            <a:lvl3pPr marL="786384" indent="-182880" algn="l" rtl="0" eaLnBrk="1" latinLnBrk="0" hangingPunct="1">
+              <a:spcBef>
+                <a:spcPts val="250"/>
+              </a:spcBef>
+              <a:buClr>
+                <a:schemeClr val="accent2">
+                  <a:tint val="85000"/>
+                  <a:satMod val="285000"/>
+                </a:schemeClr>
+              </a:buClr>
+              <a:buSzPct val="100000"/>
+              <a:buFont typeface="Wingdings 2"/>
+              <a:buChar char=""/>
+              <a:defRPr sz="2200" kern="1200">
+                <a:solidFill>
+                  <a:srgbClr val="FFFFFF"/>
+                </a:solidFill>
+                <a:latin typeface="+mn-lt"/>
+                <a:ea typeface="+mn-ea"/>
+                <a:cs typeface="+mn-cs"/>
+              </a:defRPr>
+            </a:lvl3pPr>
+            <a:lvl4pPr marL="1024128" indent="-182880" algn="l" rtl="0" eaLnBrk="1" latinLnBrk="0" hangingPunct="1">
+              <a:spcBef>
+                <a:spcPts val="230"/>
+              </a:spcBef>
+              <a:buClr>
+                <a:schemeClr val="accent2">
+                  <a:tint val="85000"/>
+                  <a:satMod val="285000"/>
+                </a:schemeClr>
+              </a:buClr>
+              <a:buSzPct val="112000"/>
+              <a:buFont typeface="Verdana"/>
+              <a:buChar char="◦"/>
+              <a:defRPr sz="1900" kern="1200">
+                <a:solidFill>
+                  <a:srgbClr val="FFFFFF"/>
+                </a:solidFill>
+                <a:latin typeface="+mn-lt"/>
+                <a:ea typeface="+mn-ea"/>
+                <a:cs typeface="+mn-cs"/>
+              </a:defRPr>
+            </a:lvl4pPr>
+            <a:lvl5pPr marL="1280160" indent="-182880" algn="l" rtl="0" eaLnBrk="1" latinLnBrk="0" hangingPunct="1">
+              <a:spcBef>
+                <a:spcPts val="250"/>
+              </a:spcBef>
+              <a:buClr>
+                <a:schemeClr val="accent3">
+                  <a:tint val="85000"/>
+                  <a:satMod val="275000"/>
+                </a:schemeClr>
+              </a:buClr>
+              <a:buSzPct val="100000"/>
+              <a:buFont typeface="Wingdings 2"/>
+              <a:buChar char=""/>
+              <a:defRPr sz="1800" kern="1200">
+                <a:solidFill>
+                  <a:srgbClr val="FFFFFF"/>
+                </a:solidFill>
+                <a:latin typeface="+mn-lt"/>
+                <a:ea typeface="+mn-ea"/>
+                <a:cs typeface="+mn-cs"/>
+              </a:defRPr>
+            </a:lvl5pPr>
+            <a:lvl6pPr marL="1490472" indent="-182880" algn="l" rtl="0" eaLnBrk="1" latinLnBrk="0" hangingPunct="1">
+              <a:spcBef>
+                <a:spcPts val="250"/>
+              </a:spcBef>
+              <a:buClr>
+                <a:schemeClr val="accent3">
+                  <a:tint val="85000"/>
+                  <a:satMod val="275000"/>
+                </a:schemeClr>
+              </a:buClr>
+              <a:buSzPct val="100000"/>
+              <a:buFont typeface="Verdana"/>
+              <a:buChar char="◦"/>
+              <a:defRPr sz="1700" kern="1200" baseline="0">
+                <a:solidFill>
+                  <a:srgbClr val="FFFFFF"/>
+                </a:solidFill>
+                <a:latin typeface="+mn-lt"/>
+                <a:ea typeface="+mn-ea"/>
+                <a:cs typeface="+mn-cs"/>
+              </a:defRPr>
+            </a:lvl6pPr>
+            <a:lvl7pPr marL="1700784" indent="-182880" algn="l" rtl="0" eaLnBrk="1" latinLnBrk="0" hangingPunct="1">
+              <a:spcBef>
+                <a:spcPts val="255"/>
+              </a:spcBef>
+              <a:buClr>
+                <a:schemeClr val="accent3">
+                  <a:tint val="85000"/>
+                  <a:satMod val="275000"/>
+                </a:schemeClr>
+              </a:buClr>
+              <a:buSzPct val="100000"/>
+              <a:buFont typeface="Wingdings 2"/>
+              <a:buChar char=""/>
+              <a:defRPr sz="1500" kern="1200">
+                <a:solidFill>
+                  <a:srgbClr val="FFFFFF"/>
+                </a:solidFill>
+                <a:latin typeface="+mn-lt"/>
+                <a:ea typeface="+mn-ea"/>
+                <a:cs typeface="+mn-cs"/>
+              </a:defRPr>
+            </a:lvl7pPr>
+            <a:lvl8pPr marL="1920240" indent="-182880" algn="l" rtl="0" eaLnBrk="1" latinLnBrk="0" hangingPunct="1">
+              <a:spcBef>
+                <a:spcPts val="257"/>
+              </a:spcBef>
+              <a:buClr>
+                <a:schemeClr val="accent3">
+                  <a:tint val="85000"/>
+                  <a:satMod val="275000"/>
+                </a:schemeClr>
+              </a:buClr>
+              <a:buSzPct val="100000"/>
+              <a:buFont typeface="Verdana"/>
+              <a:buChar char="◦"/>
+              <a:defRPr sz="1500" kern="1200" baseline="0">
+                <a:solidFill>
+                  <a:srgbClr val="FFFFFF"/>
+                </a:solidFill>
+                <a:latin typeface="+mn-lt"/>
+                <a:ea typeface="+mn-ea"/>
+                <a:cs typeface="+mn-cs"/>
+              </a:defRPr>
+            </a:lvl8pPr>
+            <a:lvl9pPr marL="2148840" indent="-182880" algn="l" rtl="0" eaLnBrk="1" latinLnBrk="0" hangingPunct="1">
+              <a:spcBef>
+                <a:spcPts val="255"/>
+              </a:spcBef>
+              <a:buClr>
+                <a:schemeClr val="accent3">
+                  <a:tint val="85000"/>
+                  <a:satMod val="275000"/>
+                </a:schemeClr>
+              </a:buClr>
+              <a:buSzPct val="100000"/>
+              <a:buFont typeface="Wingdings 2"/>
+              <a:buChar char=""/>
+              <a:defRPr sz="1500" kern="1200">
+                <a:solidFill>
+                  <a:srgbClr val="FFFFFF"/>
+                </a:solidFill>
+                <a:latin typeface="+mn-lt"/>
+                <a:ea typeface="+mn-ea"/>
+                <a:cs typeface="+mn-cs"/>
+              </a:defRPr>
+            </a:lvl9pPr>
+          </a:lstStyle>
+          <a:p>
+            <a:pPr marL="0" indent="0" algn="r">
+              <a:buNone/>
+            </a:pPr>
+            <a:r>
+              <a:rPr lang="en-US" dirty="0" smtClean="0"/>
+              <a:t>Jacob Morris</a:t>
+            </a:r>
+          </a:p>
+          <a:p>
+            <a:pPr marL="0" indent="0" algn="r">
+              <a:buNone/>
+            </a:pPr>
+            <a:r>
+              <a:rPr lang="en-US" dirty="0" smtClean="0">
+                <a:hlinkClick r:id="rId2"/>
+              </a:rPr>
+              <a:t>jacob@codinginertia.com</a:t>
+            </a:r>
+            <a:endParaRPr lang="en-US" dirty="0" smtClean="0"/>
+          </a:p>
+          <a:p>
+            <a:pPr marL="0" indent="0" algn="r">
+              <a:buNone/>
+            </a:pPr>
+            <a:r>
+              <a:rPr lang="en-US" dirty="0" smtClean="0"/>
+              <a:t>@</a:t>
+            </a:r>
+            <a:r>
+              <a:rPr lang="en-US" dirty="0" err="1" smtClean="0"/>
+              <a:t>jacobsimeon</a:t>
+            </a:r>
+            <a:endParaRPr lang="en-US" dirty="0" smtClean="0"/>
+          </a:p>
+          <a:p>
+            <a:pPr marL="0" indent="0" algn="r">
+              <a:buNone/>
+            </a:pPr>
+            <a:r>
+              <a:rPr lang="en-US" dirty="0" err="1" smtClean="0"/>
+              <a:t>github.com</a:t>
+            </a:r>
+            <a:r>
+              <a:rPr lang="en-US" dirty="0" smtClean="0"/>
+              <a:t>/</a:t>
+            </a:r>
+            <a:r>
+              <a:rPr lang="en-US" dirty="0" err="1" smtClean="0"/>
+              <a:t>jacobsimeon</a:t>
+            </a:r>
+            <a:endParaRPr lang="en-US" dirty="0" smtClean="0"/>
           </a:p>
         </p:txBody>
       </p:sp>
@@ -5638,19 +5751,17 @@
         </p:nvSpPr>
         <p:spPr>
           <a:xfrm>
-            <a:off x="457200" y="609600"/>
-            <a:ext cx="8183562" cy="593725"/>
+            <a:off x="3733800" y="2286000"/>
+            <a:ext cx="1524000" cy="685800"/>
           </a:xfrm>
         </p:spPr>
         <p:txBody>
-          <a:bodyPr anchor="t">
-            <a:normAutofit fontScale="90000"/>
-          </a:bodyPr>
+          <a:bodyPr anchor="t"/>
           <a:lstStyle/>
           <a:p>
             <a:r>
               <a:rPr lang="en-US" dirty="0" smtClean="0"/>
-              <a:t>A bit about me.</a:t>
+              <a:t>REST</a:t>
             </a:r>
             <a:endParaRPr lang="en-US" dirty="0"/>
           </a:p>
@@ -5658,44 +5769,33 @@
       </p:sp>
       <p:sp>
         <p:nvSpPr>
-          <p:cNvPr id="5" name="TextBox 4"/>
-          <p:cNvSpPr txBox="1"/>
-          <p:nvPr/>
+          <p:cNvPr id="3" name="Rectangle 2"/>
+          <p:cNvSpPr>
+            <a:spLocks noGrp="1"/>
+          </p:cNvSpPr>
+          <p:nvPr>
+            <p:ph idx="1"/>
+          </p:nvPr>
         </p:nvSpPr>
         <p:spPr>
           <a:xfrm>
-            <a:off x="3810000" y="2743200"/>
-            <a:ext cx="1447800" cy="369332"/>
+            <a:off x="457200" y="2819400"/>
+            <a:ext cx="8183562" cy="685800"/>
           </a:xfrm>
-          <a:prstGeom prst="rect">
-            <a:avLst/>
-          </a:prstGeom>
-          <a:noFill/>
         </p:spPr>
         <p:txBody>
-          <a:bodyPr wrap="square" rtlCol="0">
-            <a:spAutoFit/>
+          <a:bodyPr>
+            <a:normAutofit/>
           </a:bodyPr>
           <a:lstStyle/>
           <a:p>
-            <a:pPr algn="dist"/>
+            <a:pPr marL="0" indent="0" algn="ctr">
+              <a:buNone/>
+            </a:pPr>
             <a:r>
               <a:rPr lang="en-US" dirty="0" smtClean="0"/>
-              <a:t>00</a:t>
-            </a:r>
-            <a:r>
-              <a:rPr lang="en-US" dirty="0" smtClean="0">
-                <a:solidFill>
-                  <a:schemeClr val="bg1"/>
-                </a:solidFill>
-              </a:rPr>
-              <a:t>1</a:t>
-            </a:r>
-            <a:r>
-              <a:rPr lang="en-US" dirty="0" smtClean="0"/>
-              <a:t>00000</a:t>
-            </a:r>
-            <a:endParaRPr lang="en-US" dirty="0"/>
+              <a:t>Representational State Transfer</a:t>
+            </a:r>
           </a:p>
         </p:txBody>
       </p:sp>
@@ -5743,17 +5843,18 @@
         </p:nvSpPr>
         <p:spPr>
           <a:xfrm>
-            <a:off x="3733800" y="2286000"/>
-            <a:ext cx="1524000" cy="685800"/>
+            <a:off x="2590800" y="1524000"/>
+            <a:ext cx="3429000" cy="685800"/>
           </a:xfrm>
         </p:spPr>
         <p:txBody>
           <a:bodyPr anchor="t"/>
           <a:lstStyle/>
           <a:p>
+            <a:pPr algn="ctr"/>
             <a:r>
               <a:rPr lang="en-US" dirty="0" smtClean="0"/>
-              <a:t>REST</a:t>
+              <a:t>Constraints</a:t>
             </a:r>
             <a:endParaRPr lang="en-US" dirty="0"/>
           </a:p>
@@ -5761,33 +5862,232 @@
       </p:sp>
       <p:sp>
         <p:nvSpPr>
-          <p:cNvPr id="3" name="Rectangle 2"/>
-          <p:cNvSpPr>
-            <a:spLocks noGrp="1"/>
-          </p:cNvSpPr>
-          <p:nvPr>
-            <p:ph idx="1"/>
-          </p:nvPr>
+          <p:cNvPr id="4" name="Rectangle 1"/>
+          <p:cNvSpPr txBox="1">
+            <a:spLocks/>
+          </p:cNvSpPr>
+          <p:nvPr/>
         </p:nvSpPr>
         <p:spPr>
           <a:xfrm>
-            <a:off x="457200" y="2819400"/>
-            <a:ext cx="8183562" cy="685800"/>
+            <a:off x="3429000" y="2971800"/>
+            <a:ext cx="1447800" cy="685800"/>
           </a:xfrm>
+          <a:prstGeom prst="rect">
+            <a:avLst/>
+          </a:prstGeom>
         </p:spPr>
         <p:txBody>
-          <a:bodyPr>
+          <a:bodyPr vert="horz" anchor="t">
             <a:normAutofit/>
           </a:bodyPr>
-          <a:lstStyle/>
-          <a:p>
-            <a:pPr marL="0" indent="0" algn="ctr">
+          <a:lstStyle>
+            <a:lvl1pPr algn="l" rtl="0" eaLnBrk="1" latinLnBrk="0" hangingPunct="1">
+              <a:spcBef>
+                <a:spcPct val="0"/>
+              </a:spcBef>
               <a:buNone/>
-            </a:pPr>
+              <a:defRPr sz="3600" b="1" kern="1200">
+                <a:solidFill>
+                  <a:schemeClr val="accent1">
+                    <a:tint val="88000"/>
+                    <a:satMod val="150000"/>
+                  </a:schemeClr>
+                </a:solidFill>
+                <a:effectLst>
+                  <a:outerShdw blurRad="12700" dist="12700" dir="5400000" algn="tl" rotWithShape="0">
+                    <a:srgbClr val="000000">
+                      <a:alpha val="40000"/>
+                    </a:srgbClr>
+                  </a:outerShdw>
+                </a:effectLst>
+                <a:latin typeface="+mj-lt"/>
+                <a:ea typeface="+mj-ea"/>
+                <a:cs typeface="+mj-cs"/>
+              </a:defRPr>
+            </a:lvl1pPr>
+          </a:lstStyle>
+          <a:p>
+            <a:pPr algn="ctr"/>
             <a:r>
               <a:rPr lang="en-US" dirty="0" smtClean="0"/>
-              <a:t>Representational State Transfer</a:t>
-            </a:r>
+              <a:t>URIs</a:t>
+            </a:r>
+            <a:endParaRPr lang="en-US" dirty="0"/>
+          </a:p>
+        </p:txBody>
+      </p:sp>
+      <p:sp>
+        <p:nvSpPr>
+          <p:cNvPr id="5" name="Rectangle 1"/>
+          <p:cNvSpPr txBox="1">
+            <a:spLocks/>
+          </p:cNvSpPr>
+          <p:nvPr/>
+        </p:nvSpPr>
+        <p:spPr>
+          <a:xfrm>
+            <a:off x="2590800" y="2286000"/>
+            <a:ext cx="3429000" cy="685800"/>
+          </a:xfrm>
+          <a:prstGeom prst="rect">
+            <a:avLst/>
+          </a:prstGeom>
+        </p:spPr>
+        <p:txBody>
+          <a:bodyPr vert="horz" anchor="t">
+            <a:normAutofit/>
+          </a:bodyPr>
+          <a:lstStyle>
+            <a:lvl1pPr algn="l" rtl="0" eaLnBrk="1" latinLnBrk="0" hangingPunct="1">
+              <a:spcBef>
+                <a:spcPct val="0"/>
+              </a:spcBef>
+              <a:buNone/>
+              <a:defRPr sz="3600" b="1" kern="1200">
+                <a:solidFill>
+                  <a:schemeClr val="accent1">
+                    <a:tint val="88000"/>
+                    <a:satMod val="150000"/>
+                  </a:schemeClr>
+                </a:solidFill>
+                <a:effectLst>
+                  <a:outerShdw blurRad="12700" dist="12700" dir="5400000" algn="tl" rotWithShape="0">
+                    <a:srgbClr val="000000">
+                      <a:alpha val="40000"/>
+                    </a:srgbClr>
+                  </a:outerShdw>
+                </a:effectLst>
+                <a:latin typeface="+mj-lt"/>
+                <a:ea typeface="+mj-ea"/>
+                <a:cs typeface="+mj-cs"/>
+              </a:defRPr>
+            </a:lvl1pPr>
+          </a:lstStyle>
+          <a:p>
+            <a:pPr algn="ctr"/>
+            <a:r>
+              <a:rPr lang="en-US" dirty="0" smtClean="0"/>
+              <a:t>Resources</a:t>
+            </a:r>
+          </a:p>
+          <a:p>
+            <a:pPr algn="ctr"/>
+            <a:endParaRPr lang="en-US" dirty="0"/>
+          </a:p>
+        </p:txBody>
+      </p:sp>
+      <p:sp>
+        <p:nvSpPr>
+          <p:cNvPr id="6" name="TextBox 5"/>
+          <p:cNvSpPr txBox="1"/>
+          <p:nvPr/>
+        </p:nvSpPr>
+        <p:spPr>
+          <a:xfrm>
+            <a:off x="2057400" y="1828800"/>
+            <a:ext cx="685800" cy="246221"/>
+          </a:xfrm>
+          <a:prstGeom prst="rect">
+            <a:avLst/>
+          </a:prstGeom>
+          <a:noFill/>
+        </p:spPr>
+        <p:txBody>
+          <a:bodyPr wrap="square" rtlCol="0">
+            <a:spAutoFit/>
+          </a:bodyPr>
+          <a:lstStyle/>
+          <a:p>
+            <a:r>
+              <a:rPr lang="en-US" sz="1000" dirty="0" smtClean="0">
+                <a:solidFill>
+                  <a:schemeClr val="bg1"/>
+                </a:solidFill>
+              </a:rPr>
+              <a:t>A set of</a:t>
+            </a:r>
+            <a:endParaRPr lang="en-US" sz="1000" dirty="0">
+              <a:solidFill>
+                <a:schemeClr val="bg1"/>
+              </a:solidFill>
+            </a:endParaRPr>
+          </a:p>
+        </p:txBody>
+      </p:sp>
+      <p:sp>
+        <p:nvSpPr>
+          <p:cNvPr id="9" name="TextBox 8"/>
+          <p:cNvSpPr txBox="1"/>
+          <p:nvPr/>
+        </p:nvSpPr>
+        <p:spPr>
+          <a:xfrm>
+            <a:off x="1143000" y="2590800"/>
+            <a:ext cx="1752600" cy="246221"/>
+          </a:xfrm>
+          <a:prstGeom prst="rect">
+            <a:avLst/>
+          </a:prstGeom>
+          <a:noFill/>
+        </p:spPr>
+        <p:txBody>
+          <a:bodyPr wrap="square" rtlCol="0">
+            <a:spAutoFit/>
+          </a:bodyPr>
+          <a:lstStyle/>
+          <a:p>
+            <a:r>
+              <a:rPr lang="en-US" sz="1000" dirty="0" smtClean="0">
+                <a:solidFill>
+                  <a:schemeClr val="bg1"/>
+                </a:solidFill>
+              </a:rPr>
+              <a:t>For the transmission of</a:t>
+            </a:r>
+            <a:endParaRPr lang="en-US" sz="1000" dirty="0">
+              <a:solidFill>
+                <a:schemeClr val="bg1"/>
+              </a:solidFill>
+            </a:endParaRPr>
+          </a:p>
+        </p:txBody>
+      </p:sp>
+      <p:sp>
+        <p:nvSpPr>
+          <p:cNvPr id="10" name="TextBox 9"/>
+          <p:cNvSpPr txBox="1"/>
+          <p:nvPr/>
+        </p:nvSpPr>
+        <p:spPr>
+          <a:xfrm>
+            <a:off x="1143000" y="3276600"/>
+            <a:ext cx="2286000" cy="246221"/>
+          </a:xfrm>
+          <a:prstGeom prst="rect">
+            <a:avLst/>
+          </a:prstGeom>
+          <a:noFill/>
+        </p:spPr>
+        <p:txBody>
+          <a:bodyPr wrap="square" rtlCol="0">
+            <a:spAutoFit/>
+          </a:bodyPr>
+          <a:lstStyle/>
+          <a:p>
+            <a:r>
+              <a:rPr lang="en-US" sz="1000" dirty="0" smtClean="0">
+                <a:solidFill>
+                  <a:schemeClr val="bg1"/>
+                </a:solidFill>
+              </a:rPr>
+              <a:t>Through a uniform interface of</a:t>
+            </a:r>
+            <a:endParaRPr lang="en-US" sz="1000" dirty="0">
+              <a:solidFill>
+                <a:schemeClr val="bg1"/>
+              </a:solidFill>
+            </a:endParaRPr>
           </a:p>
         </p:txBody>
       </p:sp>
@@ -5835,15 +6135,16 @@
         </p:nvSpPr>
         <p:spPr>
           <a:xfrm>
-            <a:off x="2590800" y="1524000"/>
-            <a:ext cx="3429000" cy="685800"/>
+            <a:off x="457200" y="533400"/>
+            <a:ext cx="8183562" cy="646112"/>
           </a:xfrm>
         </p:spPr>
         <p:txBody>
-          <a:bodyPr anchor="t"/>
-          <a:lstStyle/>
-          <a:p>
-            <a:pPr algn="ctr"/>
+          <a:bodyPr anchor="t">
+            <a:normAutofit/>
+          </a:bodyPr>
+          <a:lstStyle/>
+          <a:p>
             <a:r>
               <a:rPr lang="en-US" dirty="0" smtClean="0"/>
               <a:t>Constraints</a:t>
@@ -5854,232 +6155,59 @@
       </p:sp>
       <p:sp>
         <p:nvSpPr>
-          <p:cNvPr id="4" name="Rectangle 1"/>
-          <p:cNvSpPr txBox="1">
-            <a:spLocks/>
-          </p:cNvSpPr>
-          <p:nvPr/>
+          <p:cNvPr id="3" name="Rectangle 2"/>
+          <p:cNvSpPr>
+            <a:spLocks noGrp="1"/>
+          </p:cNvSpPr>
+          <p:nvPr>
+            <p:ph idx="1"/>
+          </p:nvPr>
         </p:nvSpPr>
         <p:spPr>
           <a:xfrm>
-            <a:off x="3429000" y="2971800"/>
-            <a:ext cx="1447800" cy="685800"/>
+            <a:off x="457200" y="1143001"/>
+            <a:ext cx="8183562" cy="3048000"/>
           </a:xfrm>
-          <a:prstGeom prst="rect">
-            <a:avLst/>
-          </a:prstGeom>
         </p:spPr>
         <p:txBody>
-          <a:bodyPr vert="horz" anchor="t">
-            <a:normAutofit/>
-          </a:bodyPr>
-          <a:lstStyle>
-            <a:lvl1pPr algn="l" rtl="0" eaLnBrk="1" latinLnBrk="0" hangingPunct="1">
-              <a:spcBef>
-                <a:spcPct val="0"/>
-              </a:spcBef>
-              <a:buNone/>
-              <a:defRPr sz="3600" b="1" kern="1200">
-                <a:solidFill>
-                  <a:schemeClr val="accent1">
-                    <a:tint val="88000"/>
-                    <a:satMod val="150000"/>
-                  </a:schemeClr>
-                </a:solidFill>
-                <a:effectLst>
-                  <a:outerShdw blurRad="12700" dist="12700" dir="5400000" algn="tl" rotWithShape="0">
-                    <a:srgbClr val="000000">
-                      <a:alpha val="40000"/>
-                    </a:srgbClr>
-                  </a:outerShdw>
-                </a:effectLst>
-                <a:latin typeface="+mj-lt"/>
-                <a:ea typeface="+mj-ea"/>
-                <a:cs typeface="+mj-cs"/>
-              </a:defRPr>
-            </a:lvl1pPr>
-          </a:lstStyle>
-          <a:p>
-            <a:pPr algn="ctr"/>
+          <a:bodyPr/>
+          <a:lstStyle/>
+          <a:p>
             <a:r>
               <a:rPr lang="en-US" dirty="0" smtClean="0"/>
-              <a:t>URIs</a:t>
+              <a:t>Client-Server</a:t>
+            </a:r>
+          </a:p>
+          <a:p>
+            <a:r>
+              <a:rPr lang="en-US" dirty="0" smtClean="0"/>
+              <a:t>Stateless</a:t>
+            </a:r>
+          </a:p>
+          <a:p>
+            <a:r>
+              <a:rPr lang="en-US" dirty="0" smtClean="0"/>
+              <a:t>Cacheable</a:t>
+            </a:r>
+          </a:p>
+          <a:p>
+            <a:r>
+              <a:rPr lang="en-US" dirty="0" smtClean="0"/>
+              <a:t>Layered System</a:t>
+            </a:r>
+          </a:p>
+          <a:p>
+            <a:r>
+              <a:rPr lang="en-US" dirty="0" smtClean="0"/>
+              <a:t>Code on Demand</a:t>
+            </a:r>
+          </a:p>
+          <a:p>
+            <a:r>
+              <a:rPr lang="en-US" dirty="0" smtClean="0"/>
+              <a:t>Uniform Interface</a:t>
             </a:r>
             <a:endParaRPr lang="en-US" dirty="0"/>
-          </a:p>
-        </p:txBody>
-      </p:sp>
-      <p:sp>
-        <p:nvSpPr>
-          <p:cNvPr id="5" name="Rectangle 1"/>
-          <p:cNvSpPr txBox="1">
-            <a:spLocks/>
-          </p:cNvSpPr>
-          <p:nvPr/>
-        </p:nvSpPr>
-        <p:spPr>
-          <a:xfrm>
-            <a:off x="2590800" y="2286000"/>
-            <a:ext cx="3429000" cy="685800"/>
-          </a:xfrm>
-          <a:prstGeom prst="rect">
-            <a:avLst/>
-          </a:prstGeom>
-        </p:spPr>
-        <p:txBody>
-          <a:bodyPr vert="horz" anchor="t">
-            <a:normAutofit/>
-          </a:bodyPr>
-          <a:lstStyle>
-            <a:lvl1pPr algn="l" rtl="0" eaLnBrk="1" latinLnBrk="0" hangingPunct="1">
-              <a:spcBef>
-                <a:spcPct val="0"/>
-              </a:spcBef>
-              <a:buNone/>
-              <a:defRPr sz="3600" b="1" kern="1200">
-                <a:solidFill>
-                  <a:schemeClr val="accent1">
-                    <a:tint val="88000"/>
-                    <a:satMod val="150000"/>
-                  </a:schemeClr>
-                </a:solidFill>
-                <a:effectLst>
-                  <a:outerShdw blurRad="12700" dist="12700" dir="5400000" algn="tl" rotWithShape="0">
-                    <a:srgbClr val="000000">
-                      <a:alpha val="40000"/>
-                    </a:srgbClr>
-                  </a:outerShdw>
-                </a:effectLst>
-                <a:latin typeface="+mj-lt"/>
-                <a:ea typeface="+mj-ea"/>
-                <a:cs typeface="+mj-cs"/>
-              </a:defRPr>
-            </a:lvl1pPr>
-          </a:lstStyle>
-          <a:p>
-            <a:pPr algn="ctr"/>
-            <a:r>
-              <a:rPr lang="en-US" dirty="0" smtClean="0"/>
-              <a:t>Resources</a:t>
-            </a:r>
-          </a:p>
-          <a:p>
-            <a:pPr algn="ctr"/>
-            <a:endParaRPr lang="en-US" dirty="0"/>
-          </a:p>
-        </p:txBody>
-      </p:sp>
-      <p:sp>
-        <p:nvSpPr>
-          <p:cNvPr id="6" name="TextBox 5"/>
-          <p:cNvSpPr txBox="1"/>
-          <p:nvPr/>
-        </p:nvSpPr>
-        <p:spPr>
-          <a:xfrm>
-            <a:off x="2057400" y="1828800"/>
-            <a:ext cx="685800" cy="246221"/>
-          </a:xfrm>
-          <a:prstGeom prst="rect">
-            <a:avLst/>
-          </a:prstGeom>
-          <a:noFill/>
-        </p:spPr>
-        <p:txBody>
-          <a:bodyPr wrap="square" rtlCol="0">
-            <a:spAutoFit/>
-          </a:bodyPr>
-          <a:lstStyle/>
-          <a:p>
-            <a:r>
-              <a:rPr lang="en-US" sz="1000" dirty="0" smtClean="0">
-                <a:solidFill>
-                  <a:schemeClr val="bg1"/>
-                </a:solidFill>
-              </a:rPr>
-              <a:t>A set of</a:t>
-            </a:r>
-            <a:endParaRPr lang="en-US" sz="1000" dirty="0">
-              <a:solidFill>
-                <a:schemeClr val="bg1"/>
-              </a:solidFill>
-            </a:endParaRPr>
-          </a:p>
-        </p:txBody>
-      </p:sp>
-      <p:sp>
-        <p:nvSpPr>
-          <p:cNvPr id="9" name="TextBox 8"/>
-          <p:cNvSpPr txBox="1"/>
-          <p:nvPr/>
-        </p:nvSpPr>
-        <p:spPr>
-          <a:xfrm>
-            <a:off x="1143000" y="2590800"/>
-            <a:ext cx="1752600" cy="246221"/>
-          </a:xfrm>
-          <a:prstGeom prst="rect">
-            <a:avLst/>
-          </a:prstGeom>
-          <a:noFill/>
-        </p:spPr>
-        <p:txBody>
-          <a:bodyPr wrap="square" rtlCol="0">
-            <a:spAutoFit/>
-          </a:bodyPr>
-          <a:lstStyle/>
-          <a:p>
-            <a:r>
-              <a:rPr lang="en-US" sz="1000" dirty="0" smtClean="0">
-                <a:solidFill>
-                  <a:schemeClr val="bg1"/>
-                </a:solidFill>
-              </a:rPr>
-              <a:t>For the transmission of</a:t>
-            </a:r>
-            <a:endParaRPr lang="en-US" sz="1000" dirty="0">
-              <a:solidFill>
-                <a:schemeClr val="bg1"/>
-              </a:solidFill>
-            </a:endParaRPr>
-          </a:p>
-        </p:txBody>
-      </p:sp>
-      <p:sp>
-        <p:nvSpPr>
-          <p:cNvPr id="10" name="TextBox 9"/>
-          <p:cNvSpPr txBox="1"/>
-          <p:nvPr/>
-        </p:nvSpPr>
-        <p:spPr>
-          <a:xfrm>
-            <a:off x="1143000" y="3276600"/>
-            <a:ext cx="2286000" cy="246221"/>
-          </a:xfrm>
-          <a:prstGeom prst="rect">
-            <a:avLst/>
-          </a:prstGeom>
-          <a:noFill/>
-        </p:spPr>
-        <p:txBody>
-          <a:bodyPr wrap="square" rtlCol="0">
-            <a:spAutoFit/>
-          </a:bodyPr>
-          <a:lstStyle/>
-          <a:p>
-            <a:r>
-              <a:rPr lang="en-US" sz="1000" dirty="0" smtClean="0">
-                <a:solidFill>
-                  <a:schemeClr val="bg1"/>
-                </a:solidFill>
-              </a:rPr>
-              <a:t>Through a uniform interface of</a:t>
-            </a:r>
-            <a:endParaRPr lang="en-US" sz="1000" dirty="0">
-              <a:solidFill>
-                <a:schemeClr val="bg1"/>
-              </a:solidFill>
-            </a:endParaRPr>
           </a:p>
         </p:txBody>
       </p:sp>
@@ -6117,7 +6245,7 @@
       </p:grpSpPr>
       <p:sp>
         <p:nvSpPr>
-          <p:cNvPr id="2" name="Rectangle 1"/>
+          <p:cNvPr id="2" name="Title 1"/>
           <p:cNvSpPr>
             <a:spLocks noGrp="1"/>
           </p:cNvSpPr>
@@ -6127,79 +6255,90 @@
         </p:nvSpPr>
         <p:spPr>
           <a:xfrm>
-            <a:off x="457200" y="533400"/>
-            <a:ext cx="8183562" cy="646112"/>
+            <a:off x="457200" y="609601"/>
+            <a:ext cx="8183562" cy="609599"/>
           </a:xfrm>
         </p:spPr>
         <p:txBody>
-          <a:bodyPr anchor="t">
+          <a:bodyPr>
+            <a:normAutofit fontScale="90000"/>
+          </a:bodyPr>
+          <a:lstStyle/>
+          <a:p>
+            <a:r>
+              <a:rPr lang="en-US" dirty="0" smtClean="0"/>
+              <a:t>Resources</a:t>
+            </a:r>
+            <a:endParaRPr lang="en-US" dirty="0"/>
+          </a:p>
+        </p:txBody>
+      </p:sp>
+      <p:sp>
+        <p:nvSpPr>
+          <p:cNvPr id="3" name="Content Placeholder 2"/>
+          <p:cNvSpPr>
+            <a:spLocks noGrp="1"/>
+          </p:cNvSpPr>
+          <p:nvPr>
+            <p:ph idx="1"/>
+          </p:nvPr>
+        </p:nvSpPr>
+        <p:spPr>
+          <a:xfrm>
+            <a:off x="457200" y="2133600"/>
+            <a:ext cx="8183562" cy="2438400"/>
+          </a:xfrm>
+        </p:spPr>
+        <p:txBody>
+          <a:bodyPr>
             <a:normAutofit/>
           </a:bodyPr>
           <a:lstStyle/>
           <a:p>
             <a:r>
               <a:rPr lang="en-US" dirty="0" smtClean="0"/>
-              <a:t>Constraints</a:t>
-            </a:r>
-            <a:endParaRPr lang="en-US" dirty="0"/>
-          </a:p>
-        </p:txBody>
-      </p:sp>
-      <p:sp>
-        <p:nvSpPr>
-          <p:cNvPr id="3" name="Rectangle 2"/>
-          <p:cNvSpPr>
-            <a:spLocks noGrp="1"/>
-          </p:cNvSpPr>
-          <p:nvPr>
-            <p:ph idx="1"/>
-          </p:nvPr>
-        </p:nvSpPr>
-        <p:spPr>
-          <a:xfrm>
-            <a:off x="457200" y="1143001"/>
-            <a:ext cx="8183562" cy="3048000"/>
-          </a:xfrm>
-        </p:spPr>
-        <p:txBody>
-          <a:bodyPr/>
-          <a:lstStyle/>
+              <a:t>Transmit </a:t>
+            </a:r>
+            <a:r>
+              <a:rPr lang="en-US" i="1" dirty="0" smtClean="0"/>
+              <a:t>representations</a:t>
+            </a:r>
+            <a:endParaRPr lang="en-US" i="1" dirty="0" smtClean="0"/>
+          </a:p>
           <a:p>
             <a:r>
               <a:rPr lang="en-US" dirty="0" smtClean="0"/>
-              <a:t>Client-Server</a:t>
-            </a:r>
-          </a:p>
-          <a:p>
-            <a:r>
-              <a:rPr lang="en-US" dirty="0" smtClean="0"/>
-              <a:t>Stateless</a:t>
-            </a:r>
-          </a:p>
-          <a:p>
-            <a:r>
-              <a:rPr lang="en-US" dirty="0" smtClean="0"/>
-              <a:t>Cacheable</a:t>
-            </a:r>
-          </a:p>
-          <a:p>
-            <a:r>
-              <a:rPr lang="en-US" dirty="0" smtClean="0"/>
-              <a:t>Layered System</a:t>
-            </a:r>
-          </a:p>
-          <a:p>
-            <a:r>
-              <a:rPr lang="en-US" dirty="0" smtClean="0"/>
-              <a:t>Code on Demand</a:t>
-            </a:r>
-          </a:p>
-          <a:p>
-            <a:r>
-              <a:rPr lang="en-US" dirty="0" smtClean="0"/>
-              <a:t>Uniform Interface</a:t>
-            </a:r>
-            <a:endParaRPr lang="en-US" dirty="0"/>
+              <a:t>Pay attention to response status codes.</a:t>
+            </a:r>
+          </a:p>
+          <a:p>
+            <a:pPr lvl="1"/>
+            <a:r>
+              <a:rPr lang="en-US" i="1" dirty="0" smtClean="0"/>
+              <a:t>201 = Created Resource</a:t>
+            </a:r>
+          </a:p>
+          <a:p>
+            <a:pPr lvl="1"/>
+            <a:r>
+              <a:rPr lang="en-US" i="1" dirty="0" smtClean="0"/>
+              <a:t>422 = </a:t>
+            </a:r>
+            <a:r>
+              <a:rPr lang="en-US" i="1" dirty="0" err="1" smtClean="0"/>
+              <a:t>Unprocessable</a:t>
+            </a:r>
+            <a:r>
+              <a:rPr lang="en-US" i="1" dirty="0" smtClean="0"/>
+              <a:t> Entity (invalid)</a:t>
+            </a:r>
+          </a:p>
+          <a:p>
+            <a:pPr lvl="1"/>
+            <a:r>
+              <a:rPr lang="en-US" i="1" dirty="0" smtClean="0"/>
+              <a:t>200 = Ok</a:t>
+            </a:r>
           </a:p>
         </p:txBody>
       </p:sp>
@@ -6219,137 +6358,6 @@
 </file>
 
 <file path=ppt/slides/slide6.xml><?xml version="1.0" encoding="utf-8"?>
-<p:sld xmlns:a="http://schemas.openxmlformats.org/drawingml/2006/main" xmlns:r="http://schemas.openxmlformats.org/officeDocument/2006/relationships" xmlns:p="http://schemas.openxmlformats.org/presentationml/2006/main">
-  <p:cSld>
-    <p:spTree>
-      <p:nvGrpSpPr>
-        <p:cNvPr id="1" name=""/>
-        <p:cNvGrpSpPr/>
-        <p:nvPr/>
-      </p:nvGrpSpPr>
-      <p:grpSpPr>
-        <a:xfrm>
-          <a:off x="0" y="0"/>
-          <a:ext cx="0" cy="0"/>
-          <a:chOff x="0" y="0"/>
-          <a:chExt cx="0" cy="0"/>
-        </a:xfrm>
-      </p:grpSpPr>
-      <p:sp>
-        <p:nvSpPr>
-          <p:cNvPr id="2" name="Title 1"/>
-          <p:cNvSpPr>
-            <a:spLocks noGrp="1"/>
-          </p:cNvSpPr>
-          <p:nvPr>
-            <p:ph type="title"/>
-          </p:nvPr>
-        </p:nvSpPr>
-        <p:spPr>
-          <a:xfrm>
-            <a:off x="457200" y="609601"/>
-            <a:ext cx="8183562" cy="609599"/>
-          </a:xfrm>
-        </p:spPr>
-        <p:txBody>
-          <a:bodyPr>
-            <a:normAutofit fontScale="90000"/>
-          </a:bodyPr>
-          <a:lstStyle/>
-          <a:p>
-            <a:r>
-              <a:rPr lang="en-US" dirty="0" smtClean="0"/>
-              <a:t>Resources</a:t>
-            </a:r>
-            <a:endParaRPr lang="en-US" dirty="0"/>
-          </a:p>
-        </p:txBody>
-      </p:sp>
-      <p:sp>
-        <p:nvSpPr>
-          <p:cNvPr id="3" name="Content Placeholder 2"/>
-          <p:cNvSpPr>
-            <a:spLocks noGrp="1"/>
-          </p:cNvSpPr>
-          <p:nvPr>
-            <p:ph idx="1"/>
-          </p:nvPr>
-        </p:nvSpPr>
-        <p:spPr>
-          <a:xfrm>
-            <a:off x="457200" y="2133600"/>
-            <a:ext cx="8183562" cy="2438400"/>
-          </a:xfrm>
-        </p:spPr>
-        <p:txBody>
-          <a:bodyPr>
-            <a:normAutofit/>
-          </a:bodyPr>
-          <a:lstStyle/>
-          <a:p>
-            <a:r>
-              <a:rPr lang="en-US" dirty="0" smtClean="0"/>
-              <a:t>Transmit </a:t>
-            </a:r>
-            <a:r>
-              <a:rPr lang="en-US" i="1" dirty="0" smtClean="0"/>
-              <a:t>representations</a:t>
-            </a:r>
-            <a:endParaRPr lang="en-US" i="1" dirty="0" smtClean="0"/>
-          </a:p>
-          <a:p>
-            <a:r>
-              <a:rPr lang="en-US" dirty="0" smtClean="0"/>
-              <a:t>Pay attention to response status codes.</a:t>
-            </a:r>
-          </a:p>
-          <a:p>
-            <a:pPr lvl="1"/>
-            <a:r>
-              <a:rPr lang="en-US" i="1" dirty="0" smtClean="0"/>
-              <a:t>201 = Created Resource</a:t>
-            </a:r>
-          </a:p>
-          <a:p>
-            <a:pPr lvl="1"/>
-            <a:r>
-              <a:rPr lang="en-US" i="1" dirty="0" smtClean="0"/>
-              <a:t>422 = </a:t>
-            </a:r>
-            <a:r>
-              <a:rPr lang="en-US" i="1" dirty="0" err="1" smtClean="0"/>
-              <a:t>Unprocessable</a:t>
-            </a:r>
-            <a:r>
-              <a:rPr lang="en-US" i="1" dirty="0" smtClean="0"/>
-              <a:t> Entity (invalid)</a:t>
-            </a:r>
-          </a:p>
-          <a:p>
-            <a:pPr lvl="1"/>
-            <a:r>
-              <a:rPr lang="en-US" i="1" dirty="0" smtClean="0"/>
-              <a:t>200 = Ok</a:t>
-            </a:r>
-          </a:p>
-        </p:txBody>
-      </p:sp>
-    </p:spTree>
-  </p:cSld>
-  <p:clrMapOvr>
-    <a:masterClrMapping/>
-  </p:clrMapOvr>
-  <p:timing>
-    <p:tnLst>
-      <p:par>
-        <p:cTn xmlns:p14="http://schemas.microsoft.com/office/powerpoint/2010/main" id="1" dur="indefinite" restart="never" nodeType="tmRoot"/>
-      </p:par>
-    </p:tnLst>
-  </p:timing>
-</p:sld>
-</file>
-
-<file path=ppt/slides/slide7.xml><?xml version="1.0" encoding="utf-8"?>
 <p:sld xmlns:a="http://schemas.openxmlformats.org/drawingml/2006/main" xmlns:r="http://schemas.openxmlformats.org/officeDocument/2006/relationships" xmlns:p="http://schemas.openxmlformats.org/presentationml/2006/main">
   <p:cSld>
     <p:spTree>
@@ -6747,6 +6755,69 @@
 </p:sld>
 </file>
 
+<file path=ppt/slides/slide7.xml><?xml version="1.0" encoding="utf-8"?>
+<p:sld xmlns:a="http://schemas.openxmlformats.org/drawingml/2006/main" xmlns:r="http://schemas.openxmlformats.org/officeDocument/2006/relationships" xmlns:p="http://schemas.openxmlformats.org/presentationml/2006/main">
+  <p:cSld>
+    <p:spTree>
+      <p:nvGrpSpPr>
+        <p:cNvPr id="1" name=""/>
+        <p:cNvGrpSpPr/>
+        <p:nvPr/>
+      </p:nvGrpSpPr>
+      <p:grpSpPr>
+        <a:xfrm>
+          <a:off x="0" y="0"/>
+          <a:ext cx="0" cy="0"/>
+          <a:chOff x="0" y="0"/>
+          <a:chExt cx="0" cy="0"/>
+        </a:xfrm>
+      </p:grpSpPr>
+      <p:sp>
+        <p:nvSpPr>
+          <p:cNvPr id="2" name="Rectangle 1"/>
+          <p:cNvSpPr>
+            <a:spLocks noGrp="1"/>
+          </p:cNvSpPr>
+          <p:nvPr>
+            <p:ph type="title"/>
+          </p:nvPr>
+        </p:nvSpPr>
+        <p:spPr>
+          <a:xfrm>
+            <a:off x="2438400" y="2743200"/>
+            <a:ext cx="4114800" cy="785813"/>
+          </a:xfrm>
+        </p:spPr>
+        <p:txBody>
+          <a:bodyPr anchor="t">
+            <a:normAutofit/>
+          </a:bodyPr>
+          <a:lstStyle/>
+          <a:p>
+            <a:pPr algn="ctr"/>
+            <a:r>
+              <a:rPr lang="en-US" dirty="0" smtClean="0"/>
+              <a:t>The Demo App</a:t>
+            </a:r>
+            <a:endParaRPr lang="en-US" dirty="0"/>
+          </a:p>
+        </p:txBody>
+      </p:sp>
+    </p:spTree>
+  </p:cSld>
+  <p:clrMapOvr>
+    <a:masterClrMapping/>
+  </p:clrMapOvr>
+  <p:timing>
+    <p:tnLst>
+      <p:par>
+        <p:cTn xmlns:p14="http://schemas.microsoft.com/office/powerpoint/2010/main" id="1" dur="indefinite" restart="never" nodeType="tmRoot"/>
+      </p:par>
+    </p:tnLst>
+  </p:timing>
+</p:sld>
+</file>
+
 <file path=ppt/slides/slide8.xml><?xml version="1.0" encoding="utf-8"?>
 <p:sld xmlns:a="http://schemas.openxmlformats.org/drawingml/2006/main" xmlns:r="http://schemas.openxmlformats.org/officeDocument/2006/relationships" xmlns:p="http://schemas.openxmlformats.org/presentationml/2006/main">
   <p:cSld>
@@ -6766,7 +6837,7 @@
       </p:grpSpPr>
       <p:sp>
         <p:nvSpPr>
-          <p:cNvPr id="2" name="Rectangle 1"/>
+          <p:cNvPr id="2" name="Title 1"/>
           <p:cNvSpPr>
             <a:spLocks noGrp="1"/>
           </p:cNvSpPr>
@@ -6776,26 +6847,29 @@
         </p:nvSpPr>
         <p:spPr>
           <a:xfrm>
-            <a:off x="2438400" y="2743200"/>
-            <a:ext cx="4114800" cy="785813"/>
+            <a:off x="457200" y="2895600"/>
+            <a:ext cx="8183880" cy="670560"/>
           </a:xfrm>
         </p:spPr>
         <p:txBody>
-          <a:bodyPr anchor="t">
-            <a:normAutofit/>
-          </a:bodyPr>
+          <a:bodyPr/>
           <a:lstStyle/>
           <a:p>
             <a:pPr algn="ctr"/>
             <a:r>
               <a:rPr lang="en-US" dirty="0" smtClean="0"/>
-              <a:t>The Demo App</a:t>
+              <a:t>User Interface (URIs)</a:t>
             </a:r>
             <a:endParaRPr lang="en-US" dirty="0"/>
           </a:p>
         </p:txBody>
       </p:sp>
     </p:spTree>
+    <p:extLst>
+      <p:ext uri="{BB962C8B-B14F-4D97-AF65-F5344CB8AC3E}">
+        <p14:creationId xmlns:p14="http://schemas.microsoft.com/office/powerpoint/2010/main" val="2481064633"/>
+      </p:ext>
+    </p:extLst>
   </p:cSld>
   <p:clrMapOvr>
     <a:masterClrMapping/>
@@ -6811,8 +6885,16 @@
 </file>
 
 <file path=ppt/slides/slide9.xml><?xml version="1.0" encoding="utf-8"?>
-<p:sld xmlns:a="http://schemas.openxmlformats.org/drawingml/2006/main" xmlns:r="http://schemas.openxmlformats.org/officeDocument/2006/relationships" xmlns:p="http://schemas.openxmlformats.org/presentationml/2006/main">
+<p:sld xmlns:a="http://schemas.openxmlformats.org/drawingml/2006/main" xmlns:r="http://schemas.openxmlformats.org/officeDocument/2006/relationships" xmlns:p="http://schemas.openxmlformats.org/presentationml/2006/main" showMasterSp="0">
   <p:cSld>
+    <p:bg>
+      <p:bgPr>
+        <a:solidFill>
+          <a:schemeClr val="bg1"/>
+        </a:solidFill>
+        <a:effectLst/>
+      </p:bgPr>
+    </p:bg>
     <p:spTree>
       <p:nvGrpSpPr>
         <p:cNvPr id="1" name=""/>
@@ -6827,39 +6909,40 @@
           <a:chExt cx="0" cy="0"/>
         </a:xfrm>
       </p:grpSpPr>
-      <p:sp>
-        <p:nvSpPr>
-          <p:cNvPr id="2" name="Title 1"/>
-          <p:cNvSpPr>
-            <a:spLocks noGrp="1"/>
-          </p:cNvSpPr>
-          <p:nvPr>
-            <p:ph type="title"/>
-          </p:nvPr>
-        </p:nvSpPr>
+      <p:pic>
+        <p:nvPicPr>
+          <p:cNvPr id="4" name="Picture 3" descr="Screen Shot 2012-03-24 at 1.51.03 AM.png"/>
+          <p:cNvPicPr>
+            <a:picLocks noChangeAspect="1"/>
+          </p:cNvPicPr>
+          <p:nvPr/>
+        </p:nvPicPr>
+        <p:blipFill>
+          <a:blip r:embed="rId2">
+            <a:extLst>
+              <a:ext uri="{28A0092B-C50C-407E-A947-70E740481C1C}">
+                <a14:useLocalDpi xmlns:a14="http://schemas.microsoft.com/office/drawing/2010/main" val="0"/>
+              </a:ext>
+            </a:extLst>
+          </a:blip>
+          <a:stretch>
+            <a:fillRect/>
+          </a:stretch>
+        </p:blipFill>
         <p:spPr>
           <a:xfrm>
-            <a:off x="457200" y="2895600"/>
-            <a:ext cx="8183880" cy="670560"/>
+            <a:off x="304800" y="0"/>
+            <a:ext cx="8567559" cy="6858000"/>
           </a:xfrm>
+          <a:prstGeom prst="rect">
+            <a:avLst/>
+          </a:prstGeom>
         </p:spPr>
-        <p:txBody>
-          <a:bodyPr/>
-          <a:lstStyle/>
-          <a:p>
-            <a:pPr algn="ctr"/>
-            <a:r>
-              <a:rPr lang="en-US" dirty="0" smtClean="0"/>
-              <a:t>User Interface (URIs)</a:t>
-            </a:r>
-            <a:endParaRPr lang="en-US" dirty="0"/>
-          </a:p>
-        </p:txBody>
-      </p:sp>
+      </p:pic>
     </p:spTree>
     <p:extLst>
       <p:ext uri="{BB962C8B-B14F-4D97-AF65-F5344CB8AC3E}">
-        <p14:creationId xmlns:p14="http://schemas.microsoft.com/office/powerpoint/2010/main" val="2481064633"/>
+        <p14:creationId xmlns:p14="http://schemas.microsoft.com/office/powerpoint/2010/main" val="4020480387"/>
       </p:ext>
     </p:extLst>
   </p:cSld>
